--- a/03 Visualizations/Final Project.pptx
+++ b/03 Visualizations/Final Project.pptx
@@ -4,6 +4,33 @@
   <p:sldMasterIdLst>
     <p:sldMasterId id="2147483648" r:id="rId1"/>
   </p:sldMasterIdLst>
+  <p:sldIdLst>
+    <p:sldId id="256" r:id="rId2"/>
+    <p:sldId id="258" r:id="rId3"/>
+    <p:sldId id="257" r:id="rId4"/>
+    <p:sldId id="259" r:id="rId5"/>
+    <p:sldId id="260" r:id="rId6"/>
+    <p:sldId id="262" r:id="rId7"/>
+    <p:sldId id="261" r:id="rId8"/>
+    <p:sldId id="263" r:id="rId9"/>
+    <p:sldId id="264" r:id="rId10"/>
+    <p:sldId id="265" r:id="rId11"/>
+    <p:sldId id="266" r:id="rId12"/>
+    <p:sldId id="267" r:id="rId13"/>
+    <p:sldId id="268" r:id="rId14"/>
+    <p:sldId id="271" r:id="rId15"/>
+    <p:sldId id="270" r:id="rId16"/>
+    <p:sldId id="269" r:id="rId17"/>
+    <p:sldId id="272" r:id="rId18"/>
+    <p:sldId id="273" r:id="rId19"/>
+    <p:sldId id="279" r:id="rId20"/>
+    <p:sldId id="275" r:id="rId21"/>
+    <p:sldId id="276" r:id="rId22"/>
+    <p:sldId id="274" r:id="rId23"/>
+    <p:sldId id="277" r:id="rId24"/>
+    <p:sldId id="278" r:id="rId25"/>
+    <p:sldId id="280" r:id="rId26"/>
+  </p:sldIdLst>
   <p:sldSz cx="9144000" cy="6858000" type="screen4x3"/>
   <p:notesSz cx="6858000" cy="9144000"/>
   <p:defaultTextStyle>
@@ -286,7 +313,7 @@
             <a:fld id="{1D8BD707-D9CF-40AE-B4C6-C98DA3205C09}" type="datetimeFigureOut">
               <a:rPr lang="en-US" smtClean="0"/>
               <a:pPr/>
-              <a:t>9/18/2006</a:t>
+              <a:t>5/10/2015</a:t>
             </a:fld>
             <a:endParaRPr lang="en-US"/>
           </a:p>
@@ -453,7 +480,7 @@
             <a:fld id="{1D8BD707-D9CF-40AE-B4C6-C98DA3205C09}" type="datetimeFigureOut">
               <a:rPr lang="en-US" smtClean="0"/>
               <a:pPr/>
-              <a:t>9/18/2006</a:t>
+              <a:t>5/10/2015</a:t>
             </a:fld>
             <a:endParaRPr lang="en-US"/>
           </a:p>
@@ -630,7 +657,7 @@
             <a:fld id="{1D8BD707-D9CF-40AE-B4C6-C98DA3205C09}" type="datetimeFigureOut">
               <a:rPr lang="en-US" smtClean="0"/>
               <a:pPr/>
-              <a:t>9/18/2006</a:t>
+              <a:t>5/10/2015</a:t>
             </a:fld>
             <a:endParaRPr lang="en-US"/>
           </a:p>
@@ -797,7 +824,7 @@
             <a:fld id="{1D8BD707-D9CF-40AE-B4C6-C98DA3205C09}" type="datetimeFigureOut">
               <a:rPr lang="en-US" smtClean="0"/>
               <a:pPr/>
-              <a:t>9/18/2006</a:t>
+              <a:t>5/10/2015</a:t>
             </a:fld>
             <a:endParaRPr lang="en-US"/>
           </a:p>
@@ -1040,7 +1067,7 @@
             <a:fld id="{1D8BD707-D9CF-40AE-B4C6-C98DA3205C09}" type="datetimeFigureOut">
               <a:rPr lang="en-US" smtClean="0"/>
               <a:pPr/>
-              <a:t>9/18/2006</a:t>
+              <a:t>5/10/2015</a:t>
             </a:fld>
             <a:endParaRPr lang="en-US"/>
           </a:p>
@@ -1325,7 +1352,7 @@
             <a:fld id="{1D8BD707-D9CF-40AE-B4C6-C98DA3205C09}" type="datetimeFigureOut">
               <a:rPr lang="en-US" smtClean="0"/>
               <a:pPr/>
-              <a:t>9/18/2006</a:t>
+              <a:t>5/10/2015</a:t>
             </a:fld>
             <a:endParaRPr lang="en-US"/>
           </a:p>
@@ -1744,7 +1771,7 @@
             <a:fld id="{1D8BD707-D9CF-40AE-B4C6-C98DA3205C09}" type="datetimeFigureOut">
               <a:rPr lang="en-US" smtClean="0"/>
               <a:pPr/>
-              <a:t>9/18/2006</a:t>
+              <a:t>5/10/2015</a:t>
             </a:fld>
             <a:endParaRPr lang="en-US"/>
           </a:p>
@@ -1859,7 +1886,7 @@
             <a:fld id="{1D8BD707-D9CF-40AE-B4C6-C98DA3205C09}" type="datetimeFigureOut">
               <a:rPr lang="en-US" smtClean="0"/>
               <a:pPr/>
-              <a:t>9/18/2006</a:t>
+              <a:t>5/10/2015</a:t>
             </a:fld>
             <a:endParaRPr lang="en-US"/>
           </a:p>
@@ -1951,7 +1978,7 @@
             <a:fld id="{1D8BD707-D9CF-40AE-B4C6-C98DA3205C09}" type="datetimeFigureOut">
               <a:rPr lang="en-US" smtClean="0"/>
               <a:pPr/>
-              <a:t>9/18/2006</a:t>
+              <a:t>5/10/2015</a:t>
             </a:fld>
             <a:endParaRPr lang="en-US"/>
           </a:p>
@@ -2225,7 +2252,7 @@
             <a:fld id="{1D8BD707-D9CF-40AE-B4C6-C98DA3205C09}" type="datetimeFigureOut">
               <a:rPr lang="en-US" smtClean="0"/>
               <a:pPr/>
-              <a:t>9/18/2006</a:t>
+              <a:t>5/10/2015</a:t>
             </a:fld>
             <a:endParaRPr lang="en-US"/>
           </a:p>
@@ -2475,7 +2502,7 @@
             <a:fld id="{1D8BD707-D9CF-40AE-B4C6-C98DA3205C09}" type="datetimeFigureOut">
               <a:rPr lang="en-US" smtClean="0"/>
               <a:pPr/>
-              <a:t>9/18/2006</a:t>
+              <a:t>5/10/2015</a:t>
             </a:fld>
             <a:endParaRPr lang="en-US"/>
           </a:p>
@@ -2685,7 +2712,7 @@
             <a:fld id="{1D8BD707-D9CF-40AE-B4C6-C98DA3205C09}" type="datetimeFigureOut">
               <a:rPr lang="en-US" smtClean="0"/>
               <a:pPr/>
-              <a:t>9/18/2006</a:t>
+              <a:t>5/10/2015</a:t>
             </a:fld>
             <a:endParaRPr lang="en-US"/>
           </a:p>
@@ -3037,6 +3064,2009 @@
     </p:otherStyle>
   </p:txStyles>
 </p:sldMaster>
+</file>
+
+<file path=ppt/slides/slide1.xml><?xml version="1.0" encoding="utf-8"?>
+<p:sld xmlns:a="http://schemas.openxmlformats.org/drawingml/2006/main" xmlns:r="http://schemas.openxmlformats.org/officeDocument/2006/relationships" xmlns:p="http://schemas.openxmlformats.org/presentationml/2006/main">
+  <p:cSld>
+    <p:spTree>
+      <p:nvGrpSpPr>
+        <p:cNvPr id="1" name=""/>
+        <p:cNvGrpSpPr/>
+        <p:nvPr/>
+      </p:nvGrpSpPr>
+      <p:grpSpPr>
+        <a:xfrm>
+          <a:off x="0" y="0"/>
+          <a:ext cx="0" cy="0"/>
+          <a:chOff x="0" y="0"/>
+          <a:chExt cx="0" cy="0"/>
+        </a:xfrm>
+      </p:grpSpPr>
+      <p:sp>
+        <p:nvSpPr>
+          <p:cNvPr id="2" name="Title 1"/>
+          <p:cNvSpPr>
+            <a:spLocks noGrp="1"/>
+          </p:cNvSpPr>
+          <p:nvPr>
+            <p:ph type="ctrTitle"/>
+          </p:nvPr>
+        </p:nvSpPr>
+        <p:spPr/>
+        <p:txBody>
+          <a:bodyPr/>
+          <a:lstStyle/>
+          <a:p>
+            <a:endParaRPr lang="en-US"/>
+          </a:p>
+        </p:txBody>
+      </p:sp>
+      <p:sp>
+        <p:nvSpPr>
+          <p:cNvPr id="3" name="Subtitle 2"/>
+          <p:cNvSpPr>
+            <a:spLocks noGrp="1"/>
+          </p:cNvSpPr>
+          <p:nvPr>
+            <p:ph type="subTitle" idx="1"/>
+          </p:nvPr>
+        </p:nvSpPr>
+        <p:spPr/>
+        <p:txBody>
+          <a:bodyPr/>
+          <a:lstStyle/>
+          <a:p>
+            <a:endParaRPr lang="en-US"/>
+          </a:p>
+        </p:txBody>
+      </p:sp>
+      <p:pic>
+        <p:nvPicPr>
+          <p:cNvPr id="1026" name="Picture 2" descr="C:\Users\willieman\Downloads\Images\Alcohol Consumption Vs. Country with Sobriety Checkpoints and Patterns of Drinking.JPG"/>
+          <p:cNvPicPr>
+            <a:picLocks noChangeAspect="1" noChangeArrowheads="1"/>
+          </p:cNvPicPr>
+          <p:nvPr/>
+        </p:nvPicPr>
+        <p:blipFill>
+          <a:blip r:embed="rId2">
+            <a:extLst>
+              <a:ext uri="{28A0092B-C50C-407E-A947-70E740481C1C}">
+                <a14:useLocalDpi xmlns:a14="http://schemas.microsoft.com/office/drawing/2010/main" val="0"/>
+              </a:ext>
+            </a:extLst>
+          </a:blip>
+          <a:srcRect/>
+          <a:stretch>
+            <a:fillRect/>
+          </a:stretch>
+        </p:blipFill>
+        <p:spPr bwMode="auto">
+          <a:xfrm>
+            <a:off x="0" y="152400"/>
+            <a:ext cx="9144000" cy="6553200"/>
+          </a:xfrm>
+          <a:prstGeom prst="rect">
+            <a:avLst/>
+          </a:prstGeom>
+          <a:noFill/>
+          <a:extLst>
+            <a:ext uri="{909E8E84-426E-40DD-AFC4-6F175D3DCCD1}">
+              <a14:hiddenFill xmlns:a14="http://schemas.microsoft.com/office/drawing/2010/main">
+                <a:solidFill>
+                  <a:srgbClr val="FFFFFF"/>
+                </a:solidFill>
+              </a14:hiddenFill>
+            </a:ext>
+          </a:extLst>
+        </p:spPr>
+      </p:pic>
+    </p:spTree>
+    <p:extLst>
+      <p:ext uri="{BB962C8B-B14F-4D97-AF65-F5344CB8AC3E}">
+        <p14:creationId xmlns:p14="http://schemas.microsoft.com/office/powerpoint/2010/main" val="1553014323"/>
+      </p:ext>
+    </p:extLst>
+  </p:cSld>
+  <p:clrMapOvr>
+    <a:masterClrMapping/>
+  </p:clrMapOvr>
+</p:sld>
+</file>
+
+<file path=ppt/slides/slide10.xml><?xml version="1.0" encoding="utf-8"?>
+<p:sld xmlns:a="http://schemas.openxmlformats.org/drawingml/2006/main" xmlns:r="http://schemas.openxmlformats.org/officeDocument/2006/relationships" xmlns:p="http://schemas.openxmlformats.org/presentationml/2006/main">
+  <p:cSld>
+    <p:spTree>
+      <p:nvGrpSpPr>
+        <p:cNvPr id="1" name=""/>
+        <p:cNvGrpSpPr/>
+        <p:nvPr/>
+      </p:nvGrpSpPr>
+      <p:grpSpPr>
+        <a:xfrm>
+          <a:off x="0" y="0"/>
+          <a:ext cx="0" cy="0"/>
+          <a:chOff x="0" y="0"/>
+          <a:chExt cx="0" cy="0"/>
+        </a:xfrm>
+      </p:grpSpPr>
+      <p:pic>
+        <p:nvPicPr>
+          <p:cNvPr id="10242" name="Picture 2" descr="C:\Users\willieman\Downloads\Images\Female Abstainers 12 Months.png"/>
+          <p:cNvPicPr>
+            <a:picLocks noChangeAspect="1" noChangeArrowheads="1"/>
+          </p:cNvPicPr>
+          <p:nvPr/>
+        </p:nvPicPr>
+        <p:blipFill>
+          <a:blip r:embed="rId2">
+            <a:extLst>
+              <a:ext uri="{28A0092B-C50C-407E-A947-70E740481C1C}">
+                <a14:useLocalDpi xmlns:a14="http://schemas.microsoft.com/office/drawing/2010/main" val="0"/>
+              </a:ext>
+            </a:extLst>
+          </a:blip>
+          <a:srcRect/>
+          <a:stretch>
+            <a:fillRect/>
+          </a:stretch>
+        </p:blipFill>
+        <p:spPr bwMode="auto">
+          <a:xfrm>
+            <a:off x="304800" y="-21696"/>
+            <a:ext cx="8534400" cy="6901394"/>
+          </a:xfrm>
+          <a:prstGeom prst="rect">
+            <a:avLst/>
+          </a:prstGeom>
+          <a:noFill/>
+          <a:extLst>
+            <a:ext uri="{909E8E84-426E-40DD-AFC4-6F175D3DCCD1}">
+              <a14:hiddenFill xmlns:a14="http://schemas.microsoft.com/office/drawing/2010/main">
+                <a:solidFill>
+                  <a:srgbClr val="FFFFFF"/>
+                </a:solidFill>
+              </a14:hiddenFill>
+            </a:ext>
+          </a:extLst>
+        </p:spPr>
+      </p:pic>
+    </p:spTree>
+    <p:extLst>
+      <p:ext uri="{BB962C8B-B14F-4D97-AF65-F5344CB8AC3E}">
+        <p14:creationId xmlns:p14="http://schemas.microsoft.com/office/powerpoint/2010/main" val="3639625002"/>
+      </p:ext>
+    </p:extLst>
+  </p:cSld>
+  <p:clrMapOvr>
+    <a:masterClrMapping/>
+  </p:clrMapOvr>
+</p:sld>
+</file>
+
+<file path=ppt/slides/slide11.xml><?xml version="1.0" encoding="utf-8"?>
+<p:sld xmlns:a="http://schemas.openxmlformats.org/drawingml/2006/main" xmlns:r="http://schemas.openxmlformats.org/officeDocument/2006/relationships" xmlns:p="http://schemas.openxmlformats.org/presentationml/2006/main">
+  <p:cSld>
+    <p:spTree>
+      <p:nvGrpSpPr>
+        <p:cNvPr id="1" name=""/>
+        <p:cNvGrpSpPr/>
+        <p:nvPr/>
+      </p:nvGrpSpPr>
+      <p:grpSpPr>
+        <a:xfrm>
+          <a:off x="0" y="0"/>
+          <a:ext cx="0" cy="0"/>
+          <a:chOff x="0" y="0"/>
+          <a:chExt cx="0" cy="0"/>
+        </a:xfrm>
+      </p:grpSpPr>
+      <p:pic>
+        <p:nvPicPr>
+          <p:cNvPr id="11266" name="Picture 2" descr="C:\Users\willieman\Downloads\Images\Female Abstainers Lifetime.png"/>
+          <p:cNvPicPr>
+            <a:picLocks noChangeAspect="1" noChangeArrowheads="1"/>
+          </p:cNvPicPr>
+          <p:nvPr/>
+        </p:nvPicPr>
+        <p:blipFill>
+          <a:blip r:embed="rId2">
+            <a:extLst>
+              <a:ext uri="{28A0092B-C50C-407E-A947-70E740481C1C}">
+                <a14:useLocalDpi xmlns:a14="http://schemas.microsoft.com/office/drawing/2010/main" val="0"/>
+              </a:ext>
+            </a:extLst>
+          </a:blip>
+          <a:srcRect/>
+          <a:stretch>
+            <a:fillRect/>
+          </a:stretch>
+        </p:blipFill>
+        <p:spPr bwMode="auto">
+          <a:xfrm>
+            <a:off x="304800" y="152400"/>
+            <a:ext cx="8305800" cy="6542438"/>
+          </a:xfrm>
+          <a:prstGeom prst="rect">
+            <a:avLst/>
+          </a:prstGeom>
+          <a:noFill/>
+          <a:extLst>
+            <a:ext uri="{909E8E84-426E-40DD-AFC4-6F175D3DCCD1}">
+              <a14:hiddenFill xmlns:a14="http://schemas.microsoft.com/office/drawing/2010/main">
+                <a:solidFill>
+                  <a:srgbClr val="FFFFFF"/>
+                </a:solidFill>
+              </a14:hiddenFill>
+            </a:ext>
+          </a:extLst>
+        </p:spPr>
+      </p:pic>
+    </p:spTree>
+    <p:extLst>
+      <p:ext uri="{BB962C8B-B14F-4D97-AF65-F5344CB8AC3E}">
+        <p14:creationId xmlns:p14="http://schemas.microsoft.com/office/powerpoint/2010/main" val="1409853523"/>
+      </p:ext>
+    </p:extLst>
+  </p:cSld>
+  <p:clrMapOvr>
+    <a:masterClrMapping/>
+  </p:clrMapOvr>
+</p:sld>
+</file>
+
+<file path=ppt/slides/slide12.xml><?xml version="1.0" encoding="utf-8"?>
+<p:sld xmlns:a="http://schemas.openxmlformats.org/drawingml/2006/main" xmlns:r="http://schemas.openxmlformats.org/officeDocument/2006/relationships" xmlns:p="http://schemas.openxmlformats.org/presentationml/2006/main">
+  <p:cSld>
+    <p:spTree>
+      <p:nvGrpSpPr>
+        <p:cNvPr id="1" name=""/>
+        <p:cNvGrpSpPr/>
+        <p:nvPr/>
+      </p:nvGrpSpPr>
+      <p:grpSpPr>
+        <a:xfrm>
+          <a:off x="0" y="0"/>
+          <a:ext cx="0" cy="0"/>
+          <a:chOff x="0" y="0"/>
+          <a:chExt cx="0" cy="0"/>
+        </a:xfrm>
+      </p:grpSpPr>
+      <p:pic>
+        <p:nvPicPr>
+          <p:cNvPr id="12290" name="Picture 2" descr="C:\Users\willieman\Downloads\Images\Both Genders Abstainers 12 Months.png"/>
+          <p:cNvPicPr>
+            <a:picLocks noChangeAspect="1" noChangeArrowheads="1"/>
+          </p:cNvPicPr>
+          <p:nvPr/>
+        </p:nvPicPr>
+        <p:blipFill>
+          <a:blip r:embed="rId2">
+            <a:extLst>
+              <a:ext uri="{28A0092B-C50C-407E-A947-70E740481C1C}">
+                <a14:useLocalDpi xmlns:a14="http://schemas.microsoft.com/office/drawing/2010/main" val="0"/>
+              </a:ext>
+            </a:extLst>
+          </a:blip>
+          <a:srcRect/>
+          <a:stretch>
+            <a:fillRect/>
+          </a:stretch>
+        </p:blipFill>
+        <p:spPr bwMode="auto">
+          <a:xfrm>
+            <a:off x="304800" y="-21696"/>
+            <a:ext cx="8534400" cy="6901394"/>
+          </a:xfrm>
+          <a:prstGeom prst="rect">
+            <a:avLst/>
+          </a:prstGeom>
+          <a:noFill/>
+          <a:extLst>
+            <a:ext uri="{909E8E84-426E-40DD-AFC4-6F175D3DCCD1}">
+              <a14:hiddenFill xmlns:a14="http://schemas.microsoft.com/office/drawing/2010/main">
+                <a:solidFill>
+                  <a:srgbClr val="FFFFFF"/>
+                </a:solidFill>
+              </a14:hiddenFill>
+            </a:ext>
+          </a:extLst>
+        </p:spPr>
+      </p:pic>
+    </p:spTree>
+    <p:extLst>
+      <p:ext uri="{BB962C8B-B14F-4D97-AF65-F5344CB8AC3E}">
+        <p14:creationId xmlns:p14="http://schemas.microsoft.com/office/powerpoint/2010/main" val="2543330673"/>
+      </p:ext>
+    </p:extLst>
+  </p:cSld>
+  <p:clrMapOvr>
+    <a:masterClrMapping/>
+  </p:clrMapOvr>
+</p:sld>
+</file>
+
+<file path=ppt/slides/slide13.xml><?xml version="1.0" encoding="utf-8"?>
+<p:sld xmlns:a="http://schemas.openxmlformats.org/drawingml/2006/main" xmlns:r="http://schemas.openxmlformats.org/officeDocument/2006/relationships" xmlns:p="http://schemas.openxmlformats.org/presentationml/2006/main">
+  <p:cSld>
+    <p:spTree>
+      <p:nvGrpSpPr>
+        <p:cNvPr id="1" name=""/>
+        <p:cNvGrpSpPr/>
+        <p:nvPr/>
+      </p:nvGrpSpPr>
+      <p:grpSpPr>
+        <a:xfrm>
+          <a:off x="0" y="0"/>
+          <a:ext cx="0" cy="0"/>
+          <a:chOff x="0" y="0"/>
+          <a:chExt cx="0" cy="0"/>
+        </a:xfrm>
+      </p:grpSpPr>
+      <p:pic>
+        <p:nvPicPr>
+          <p:cNvPr id="13314" name="Picture 2" descr="C:\Users\willieman\Downloads\Images\Both Genders Abstainers Lifetime.png"/>
+          <p:cNvPicPr>
+            <a:picLocks noChangeAspect="1" noChangeArrowheads="1"/>
+          </p:cNvPicPr>
+          <p:nvPr/>
+        </p:nvPicPr>
+        <p:blipFill>
+          <a:blip r:embed="rId2">
+            <a:extLst>
+              <a:ext uri="{28A0092B-C50C-407E-A947-70E740481C1C}">
+                <a14:useLocalDpi xmlns:a14="http://schemas.microsoft.com/office/drawing/2010/main" val="0"/>
+              </a:ext>
+            </a:extLst>
+          </a:blip>
+          <a:srcRect/>
+          <a:stretch>
+            <a:fillRect/>
+          </a:stretch>
+        </p:blipFill>
+        <p:spPr bwMode="auto">
+          <a:xfrm>
+            <a:off x="304800" y="-21697"/>
+            <a:ext cx="8305800" cy="6716535"/>
+          </a:xfrm>
+          <a:prstGeom prst="rect">
+            <a:avLst/>
+          </a:prstGeom>
+          <a:noFill/>
+          <a:extLst>
+            <a:ext uri="{909E8E84-426E-40DD-AFC4-6F175D3DCCD1}">
+              <a14:hiddenFill xmlns:a14="http://schemas.microsoft.com/office/drawing/2010/main">
+                <a:solidFill>
+                  <a:srgbClr val="FFFFFF"/>
+                </a:solidFill>
+              </a14:hiddenFill>
+            </a:ext>
+          </a:extLst>
+        </p:spPr>
+      </p:pic>
+    </p:spTree>
+    <p:extLst>
+      <p:ext uri="{BB962C8B-B14F-4D97-AF65-F5344CB8AC3E}">
+        <p14:creationId xmlns:p14="http://schemas.microsoft.com/office/powerpoint/2010/main" val="4120520277"/>
+      </p:ext>
+    </p:extLst>
+  </p:cSld>
+  <p:clrMapOvr>
+    <a:masterClrMapping/>
+  </p:clrMapOvr>
+</p:sld>
+</file>
+
+<file path=ppt/slides/slide14.xml><?xml version="1.0" encoding="utf-8"?>
+<p:sld xmlns:a="http://schemas.openxmlformats.org/drawingml/2006/main" xmlns:r="http://schemas.openxmlformats.org/officeDocument/2006/relationships" xmlns:p="http://schemas.openxmlformats.org/presentationml/2006/main">
+  <p:cSld>
+    <p:spTree>
+      <p:nvGrpSpPr>
+        <p:cNvPr id="1" name=""/>
+        <p:cNvGrpSpPr/>
+        <p:nvPr/>
+      </p:nvGrpSpPr>
+      <p:grpSpPr>
+        <a:xfrm>
+          <a:off x="0" y="0"/>
+          <a:ext cx="0" cy="0"/>
+          <a:chOff x="0" y="0"/>
+          <a:chExt cx="0" cy="0"/>
+        </a:xfrm>
+      </p:grpSpPr>
+      <p:pic>
+        <p:nvPicPr>
+          <p:cNvPr id="16386" name="Picture 2" descr="C:\Users\willieman\Downloads\Images\Alcohol Related Recreational Boating Fatalities (2001-2010).png"/>
+          <p:cNvPicPr>
+            <a:picLocks noChangeAspect="1" noChangeArrowheads="1"/>
+          </p:cNvPicPr>
+          <p:nvPr/>
+        </p:nvPicPr>
+        <p:blipFill>
+          <a:blip r:embed="rId2">
+            <a:extLst>
+              <a:ext uri="{28A0092B-C50C-407E-A947-70E740481C1C}">
+                <a14:useLocalDpi xmlns:a14="http://schemas.microsoft.com/office/drawing/2010/main" val="0"/>
+              </a:ext>
+            </a:extLst>
+          </a:blip>
+          <a:srcRect/>
+          <a:stretch>
+            <a:fillRect/>
+          </a:stretch>
+        </p:blipFill>
+        <p:spPr bwMode="auto">
+          <a:xfrm>
+            <a:off x="1143000" y="0"/>
+            <a:ext cx="6858000" cy="6858000"/>
+          </a:xfrm>
+          <a:prstGeom prst="rect">
+            <a:avLst/>
+          </a:prstGeom>
+          <a:noFill/>
+          <a:extLst>
+            <a:ext uri="{909E8E84-426E-40DD-AFC4-6F175D3DCCD1}">
+              <a14:hiddenFill xmlns:a14="http://schemas.microsoft.com/office/drawing/2010/main">
+                <a:solidFill>
+                  <a:srgbClr val="FFFFFF"/>
+                </a:solidFill>
+              </a14:hiddenFill>
+            </a:ext>
+          </a:extLst>
+        </p:spPr>
+      </p:pic>
+    </p:spTree>
+    <p:extLst>
+      <p:ext uri="{BB962C8B-B14F-4D97-AF65-F5344CB8AC3E}">
+        <p14:creationId xmlns:p14="http://schemas.microsoft.com/office/powerpoint/2010/main" val="4023482151"/>
+      </p:ext>
+    </p:extLst>
+  </p:cSld>
+  <p:clrMapOvr>
+    <a:masterClrMapping/>
+  </p:clrMapOvr>
+</p:sld>
+</file>
+
+<file path=ppt/slides/slide15.xml><?xml version="1.0" encoding="utf-8"?>
+<p:sld xmlns:a="http://schemas.openxmlformats.org/drawingml/2006/main" xmlns:r="http://schemas.openxmlformats.org/officeDocument/2006/relationships" xmlns:p="http://schemas.openxmlformats.org/presentationml/2006/main">
+  <p:cSld>
+    <p:spTree>
+      <p:nvGrpSpPr>
+        <p:cNvPr id="1" name=""/>
+        <p:cNvGrpSpPr/>
+        <p:nvPr/>
+      </p:nvGrpSpPr>
+      <p:grpSpPr>
+        <a:xfrm>
+          <a:off x="0" y="0"/>
+          <a:ext cx="0" cy="0"/>
+          <a:chOff x="0" y="0"/>
+          <a:chExt cx="0" cy="0"/>
+        </a:xfrm>
+      </p:grpSpPr>
+      <p:pic>
+        <p:nvPicPr>
+          <p:cNvPr id="15362" name="Picture 2" descr="C:\Users\willieman\Downloads\Images\Alcohol Related vs. Nonalcohol Related Recreational Boating Fatalities (2001-2010).png"/>
+          <p:cNvPicPr>
+            <a:picLocks noChangeAspect="1" noChangeArrowheads="1"/>
+          </p:cNvPicPr>
+          <p:nvPr/>
+        </p:nvPicPr>
+        <p:blipFill>
+          <a:blip r:embed="rId2">
+            <a:extLst>
+              <a:ext uri="{28A0092B-C50C-407E-A947-70E740481C1C}">
+                <a14:useLocalDpi xmlns:a14="http://schemas.microsoft.com/office/drawing/2010/main" val="0"/>
+              </a:ext>
+            </a:extLst>
+          </a:blip>
+          <a:srcRect/>
+          <a:stretch>
+            <a:fillRect/>
+          </a:stretch>
+        </p:blipFill>
+        <p:spPr bwMode="auto">
+          <a:xfrm>
+            <a:off x="1238250" y="-76200"/>
+            <a:ext cx="6838950" cy="6838950"/>
+          </a:xfrm>
+          <a:prstGeom prst="rect">
+            <a:avLst/>
+          </a:prstGeom>
+          <a:noFill/>
+          <a:extLst>
+            <a:ext uri="{909E8E84-426E-40DD-AFC4-6F175D3DCCD1}">
+              <a14:hiddenFill xmlns:a14="http://schemas.microsoft.com/office/drawing/2010/main">
+                <a:solidFill>
+                  <a:srgbClr val="FFFFFF"/>
+                </a:solidFill>
+              </a14:hiddenFill>
+            </a:ext>
+          </a:extLst>
+        </p:spPr>
+      </p:pic>
+    </p:spTree>
+    <p:extLst>
+      <p:ext uri="{BB962C8B-B14F-4D97-AF65-F5344CB8AC3E}">
+        <p14:creationId xmlns:p14="http://schemas.microsoft.com/office/powerpoint/2010/main" val="2282564173"/>
+      </p:ext>
+    </p:extLst>
+  </p:cSld>
+  <p:clrMapOvr>
+    <a:masterClrMapping/>
+  </p:clrMapOvr>
+</p:sld>
+</file>
+
+<file path=ppt/slides/slide16.xml><?xml version="1.0" encoding="utf-8"?>
+<p:sld xmlns:a="http://schemas.openxmlformats.org/drawingml/2006/main" xmlns:r="http://schemas.openxmlformats.org/officeDocument/2006/relationships" xmlns:p="http://schemas.openxmlformats.org/presentationml/2006/main">
+  <p:cSld>
+    <p:spTree>
+      <p:nvGrpSpPr>
+        <p:cNvPr id="1" name=""/>
+        <p:cNvGrpSpPr/>
+        <p:nvPr/>
+      </p:nvGrpSpPr>
+      <p:grpSpPr>
+        <a:xfrm>
+          <a:off x="0" y="0"/>
+          <a:ext cx="0" cy="0"/>
+          <a:chOff x="0" y="0"/>
+          <a:chExt cx="0" cy="0"/>
+        </a:xfrm>
+      </p:grpSpPr>
+      <p:pic>
+        <p:nvPicPr>
+          <p:cNvPr id="14338" name="Picture 2" descr="C:\Users\willieman\Downloads\Images\Alcohol Related vs. Nonalcohol Related Recreational Boating Fatalities.png"/>
+          <p:cNvPicPr>
+            <a:picLocks noChangeAspect="1" noChangeArrowheads="1"/>
+          </p:cNvPicPr>
+          <p:nvPr/>
+        </p:nvPicPr>
+        <p:blipFill>
+          <a:blip r:embed="rId2">
+            <a:extLst>
+              <a:ext uri="{28A0092B-C50C-407E-A947-70E740481C1C}">
+                <a14:useLocalDpi xmlns:a14="http://schemas.microsoft.com/office/drawing/2010/main" val="0"/>
+              </a:ext>
+            </a:extLst>
+          </a:blip>
+          <a:srcRect/>
+          <a:stretch>
+            <a:fillRect/>
+          </a:stretch>
+        </p:blipFill>
+        <p:spPr bwMode="auto">
+          <a:xfrm>
+            <a:off x="1238250" y="0"/>
+            <a:ext cx="6762750" cy="6762750"/>
+          </a:xfrm>
+          <a:prstGeom prst="rect">
+            <a:avLst/>
+          </a:prstGeom>
+          <a:noFill/>
+          <a:extLst>
+            <a:ext uri="{909E8E84-426E-40DD-AFC4-6F175D3DCCD1}">
+              <a14:hiddenFill xmlns:a14="http://schemas.microsoft.com/office/drawing/2010/main">
+                <a:solidFill>
+                  <a:srgbClr val="FFFFFF"/>
+                </a:solidFill>
+              </a14:hiddenFill>
+            </a:ext>
+          </a:extLst>
+        </p:spPr>
+      </p:pic>
+    </p:spTree>
+    <p:extLst>
+      <p:ext uri="{BB962C8B-B14F-4D97-AF65-F5344CB8AC3E}">
+        <p14:creationId xmlns:p14="http://schemas.microsoft.com/office/powerpoint/2010/main" val="361682595"/>
+      </p:ext>
+    </p:extLst>
+  </p:cSld>
+  <p:clrMapOvr>
+    <a:masterClrMapping/>
+  </p:clrMapOvr>
+</p:sld>
+</file>
+
+<file path=ppt/slides/slide17.xml><?xml version="1.0" encoding="utf-8"?>
+<p:sld xmlns:a="http://schemas.openxmlformats.org/drawingml/2006/main" xmlns:r="http://schemas.openxmlformats.org/officeDocument/2006/relationships" xmlns:p="http://schemas.openxmlformats.org/presentationml/2006/main">
+  <p:cSld>
+    <p:spTree>
+      <p:nvGrpSpPr>
+        <p:cNvPr id="1" name=""/>
+        <p:cNvGrpSpPr/>
+        <p:nvPr/>
+      </p:nvGrpSpPr>
+      <p:grpSpPr>
+        <a:xfrm>
+          <a:off x="0" y="0"/>
+          <a:ext cx="0" cy="0"/>
+          <a:chOff x="0" y="0"/>
+          <a:chExt cx="0" cy="0"/>
+        </a:xfrm>
+      </p:grpSpPr>
+      <p:pic>
+        <p:nvPicPr>
+          <p:cNvPr id="17410" name="Picture 2" descr="C:\Users\willieman\Downloads\Images\US Number of Highway vehicle Fatalities Involving Alcohol by Person Type.png"/>
+          <p:cNvPicPr>
+            <a:picLocks noChangeAspect="1" noChangeArrowheads="1"/>
+          </p:cNvPicPr>
+          <p:nvPr/>
+        </p:nvPicPr>
+        <p:blipFill>
+          <a:blip r:embed="rId2">
+            <a:extLst>
+              <a:ext uri="{28A0092B-C50C-407E-A947-70E740481C1C}">
+                <a14:useLocalDpi xmlns:a14="http://schemas.microsoft.com/office/drawing/2010/main" val="0"/>
+              </a:ext>
+            </a:extLst>
+          </a:blip>
+          <a:srcRect/>
+          <a:stretch>
+            <a:fillRect/>
+          </a:stretch>
+        </p:blipFill>
+        <p:spPr bwMode="auto">
+          <a:xfrm>
+            <a:off x="0" y="95250"/>
+            <a:ext cx="9144000" cy="6667500"/>
+          </a:xfrm>
+          <a:prstGeom prst="rect">
+            <a:avLst/>
+          </a:prstGeom>
+          <a:noFill/>
+          <a:extLst>
+            <a:ext uri="{909E8E84-426E-40DD-AFC4-6F175D3DCCD1}">
+              <a14:hiddenFill xmlns:a14="http://schemas.microsoft.com/office/drawing/2010/main">
+                <a:solidFill>
+                  <a:srgbClr val="FFFFFF"/>
+                </a:solidFill>
+              </a14:hiddenFill>
+            </a:ext>
+          </a:extLst>
+        </p:spPr>
+      </p:pic>
+    </p:spTree>
+    <p:extLst>
+      <p:ext uri="{BB962C8B-B14F-4D97-AF65-F5344CB8AC3E}">
+        <p14:creationId xmlns:p14="http://schemas.microsoft.com/office/powerpoint/2010/main" val="1325696529"/>
+      </p:ext>
+    </p:extLst>
+  </p:cSld>
+  <p:clrMapOvr>
+    <a:masterClrMapping/>
+  </p:clrMapOvr>
+</p:sld>
+</file>
+
+<file path=ppt/slides/slide18.xml><?xml version="1.0" encoding="utf-8"?>
+<p:sld xmlns:a="http://schemas.openxmlformats.org/drawingml/2006/main" xmlns:r="http://schemas.openxmlformats.org/officeDocument/2006/relationships" xmlns:p="http://schemas.openxmlformats.org/presentationml/2006/main">
+  <p:cSld>
+    <p:spTree>
+      <p:nvGrpSpPr>
+        <p:cNvPr id="1" name=""/>
+        <p:cNvGrpSpPr/>
+        <p:nvPr/>
+      </p:nvGrpSpPr>
+      <p:grpSpPr>
+        <a:xfrm>
+          <a:off x="0" y="0"/>
+          <a:ext cx="0" cy="0"/>
+          <a:chOff x="0" y="0"/>
+          <a:chExt cx="0" cy="0"/>
+        </a:xfrm>
+      </p:grpSpPr>
+      <p:pic>
+        <p:nvPicPr>
+          <p:cNvPr id="18434" name="Picture 2" descr="C:\Users\willieman\Downloads\Images\US Number of Highway vehicle Fatalities Involving Alcohol.png"/>
+          <p:cNvPicPr>
+            <a:picLocks noChangeAspect="1" noChangeArrowheads="1"/>
+          </p:cNvPicPr>
+          <p:nvPr/>
+        </p:nvPicPr>
+        <p:blipFill>
+          <a:blip r:embed="rId2">
+            <a:extLst>
+              <a:ext uri="{28A0092B-C50C-407E-A947-70E740481C1C}">
+                <a14:useLocalDpi xmlns:a14="http://schemas.microsoft.com/office/drawing/2010/main" val="0"/>
+              </a:ext>
+            </a:extLst>
+          </a:blip>
+          <a:srcRect/>
+          <a:stretch>
+            <a:fillRect/>
+          </a:stretch>
+        </p:blipFill>
+        <p:spPr bwMode="auto">
+          <a:xfrm>
+            <a:off x="0" y="0"/>
+            <a:ext cx="8915400" cy="6705600"/>
+          </a:xfrm>
+          <a:prstGeom prst="rect">
+            <a:avLst/>
+          </a:prstGeom>
+          <a:noFill/>
+          <a:extLst>
+            <a:ext uri="{909E8E84-426E-40DD-AFC4-6F175D3DCCD1}">
+              <a14:hiddenFill xmlns:a14="http://schemas.microsoft.com/office/drawing/2010/main">
+                <a:solidFill>
+                  <a:srgbClr val="FFFFFF"/>
+                </a:solidFill>
+              </a14:hiddenFill>
+            </a:ext>
+          </a:extLst>
+        </p:spPr>
+      </p:pic>
+    </p:spTree>
+    <p:extLst>
+      <p:ext uri="{BB962C8B-B14F-4D97-AF65-F5344CB8AC3E}">
+        <p14:creationId xmlns:p14="http://schemas.microsoft.com/office/powerpoint/2010/main" val="106010467"/>
+      </p:ext>
+    </p:extLst>
+  </p:cSld>
+  <p:clrMapOvr>
+    <a:masterClrMapping/>
+  </p:clrMapOvr>
+</p:sld>
+</file>
+
+<file path=ppt/slides/slide19.xml><?xml version="1.0" encoding="utf-8"?>
+<p:sld xmlns:a="http://schemas.openxmlformats.org/drawingml/2006/main" xmlns:r="http://schemas.openxmlformats.org/officeDocument/2006/relationships" xmlns:p="http://schemas.openxmlformats.org/presentationml/2006/main">
+  <p:cSld>
+    <p:spTree>
+      <p:nvGrpSpPr>
+        <p:cNvPr id="1" name=""/>
+        <p:cNvGrpSpPr/>
+        <p:nvPr/>
+      </p:nvGrpSpPr>
+      <p:grpSpPr>
+        <a:xfrm>
+          <a:off x="0" y="0"/>
+          <a:ext cx="0" cy="0"/>
+          <a:chOff x="0" y="0"/>
+          <a:chExt cx="0" cy="0"/>
+        </a:xfrm>
+      </p:grpSpPr>
+      <p:pic>
+        <p:nvPicPr>
+          <p:cNvPr id="22530" name="Picture 2" descr="C:\Users\willieman\Downloads\Images\Number of Highway vehicle Fatalities Involving Alcohol.png"/>
+          <p:cNvPicPr>
+            <a:picLocks noChangeAspect="1" noChangeArrowheads="1"/>
+          </p:cNvPicPr>
+          <p:nvPr/>
+        </p:nvPicPr>
+        <p:blipFill>
+          <a:blip r:embed="rId2">
+            <a:extLst>
+              <a:ext uri="{28A0092B-C50C-407E-A947-70E740481C1C}">
+                <a14:useLocalDpi xmlns:a14="http://schemas.microsoft.com/office/drawing/2010/main" val="0"/>
+              </a:ext>
+            </a:extLst>
+          </a:blip>
+          <a:srcRect/>
+          <a:stretch>
+            <a:fillRect/>
+          </a:stretch>
+        </p:blipFill>
+        <p:spPr bwMode="auto">
+          <a:xfrm>
+            <a:off x="0" y="0"/>
+            <a:ext cx="9144000" cy="6858000"/>
+          </a:xfrm>
+          <a:prstGeom prst="rect">
+            <a:avLst/>
+          </a:prstGeom>
+          <a:noFill/>
+          <a:extLst>
+            <a:ext uri="{909E8E84-426E-40DD-AFC4-6F175D3DCCD1}">
+              <a14:hiddenFill xmlns:a14="http://schemas.microsoft.com/office/drawing/2010/main">
+                <a:solidFill>
+                  <a:srgbClr val="FFFFFF"/>
+                </a:solidFill>
+              </a14:hiddenFill>
+            </a:ext>
+          </a:extLst>
+        </p:spPr>
+      </p:pic>
+    </p:spTree>
+    <p:extLst>
+      <p:ext uri="{BB962C8B-B14F-4D97-AF65-F5344CB8AC3E}">
+        <p14:creationId xmlns:p14="http://schemas.microsoft.com/office/powerpoint/2010/main" val="2502285273"/>
+      </p:ext>
+    </p:extLst>
+  </p:cSld>
+  <p:clrMapOvr>
+    <a:masterClrMapping/>
+  </p:clrMapOvr>
+</p:sld>
+</file>
+
+<file path=ppt/slides/slide2.xml><?xml version="1.0" encoding="utf-8"?>
+<p:sld xmlns:a="http://schemas.openxmlformats.org/drawingml/2006/main" xmlns:r="http://schemas.openxmlformats.org/officeDocument/2006/relationships" xmlns:p="http://schemas.openxmlformats.org/presentationml/2006/main">
+  <p:cSld>
+    <p:spTree>
+      <p:nvGrpSpPr>
+        <p:cNvPr id="1" name=""/>
+        <p:cNvGrpSpPr/>
+        <p:nvPr/>
+      </p:nvGrpSpPr>
+      <p:grpSpPr>
+        <a:xfrm>
+          <a:off x="0" y="0"/>
+          <a:ext cx="0" cy="0"/>
+          <a:chOff x="0" y="0"/>
+          <a:chExt cx="0" cy="0"/>
+        </a:xfrm>
+      </p:grpSpPr>
+      <p:sp>
+        <p:nvSpPr>
+          <p:cNvPr id="2" name="Title 1"/>
+          <p:cNvSpPr>
+            <a:spLocks noGrp="1"/>
+          </p:cNvSpPr>
+          <p:nvPr>
+            <p:ph type="title"/>
+          </p:nvPr>
+        </p:nvSpPr>
+        <p:spPr/>
+        <p:txBody>
+          <a:bodyPr/>
+          <a:lstStyle/>
+          <a:p>
+            <a:endParaRPr lang="en-US"/>
+          </a:p>
+        </p:txBody>
+      </p:sp>
+      <p:sp>
+        <p:nvSpPr>
+          <p:cNvPr id="3" name="Content Placeholder 2"/>
+          <p:cNvSpPr>
+            <a:spLocks noGrp="1"/>
+          </p:cNvSpPr>
+          <p:nvPr>
+            <p:ph idx="1"/>
+          </p:nvPr>
+        </p:nvSpPr>
+        <p:spPr/>
+        <p:txBody>
+          <a:bodyPr/>
+          <a:lstStyle/>
+          <a:p>
+            <a:endParaRPr lang="en-US"/>
+          </a:p>
+        </p:txBody>
+      </p:sp>
+      <p:pic>
+        <p:nvPicPr>
+          <p:cNvPr id="3074" name="Picture 2" descr="C:\Users\willieman\Downloads\Images\Beer Consumption by Country and Random Breath Testing.JPG"/>
+          <p:cNvPicPr>
+            <a:picLocks noChangeAspect="1" noChangeArrowheads="1"/>
+          </p:cNvPicPr>
+          <p:nvPr/>
+        </p:nvPicPr>
+        <p:blipFill>
+          <a:blip r:embed="rId2">
+            <a:extLst>
+              <a:ext uri="{28A0092B-C50C-407E-A947-70E740481C1C}">
+                <a14:useLocalDpi xmlns:a14="http://schemas.microsoft.com/office/drawing/2010/main" val="0"/>
+              </a:ext>
+            </a:extLst>
+          </a:blip>
+          <a:srcRect/>
+          <a:stretch>
+            <a:fillRect/>
+          </a:stretch>
+        </p:blipFill>
+        <p:spPr bwMode="auto">
+          <a:xfrm>
+            <a:off x="0" y="2822"/>
+            <a:ext cx="9192634" cy="6778978"/>
+          </a:xfrm>
+          <a:prstGeom prst="rect">
+            <a:avLst/>
+          </a:prstGeom>
+          <a:noFill/>
+          <a:extLst>
+            <a:ext uri="{909E8E84-426E-40DD-AFC4-6F175D3DCCD1}">
+              <a14:hiddenFill xmlns:a14="http://schemas.microsoft.com/office/drawing/2010/main">
+                <a:solidFill>
+                  <a:srgbClr val="FFFFFF"/>
+                </a:solidFill>
+              </a14:hiddenFill>
+            </a:ext>
+          </a:extLst>
+        </p:spPr>
+      </p:pic>
+    </p:spTree>
+    <p:extLst>
+      <p:ext uri="{BB962C8B-B14F-4D97-AF65-F5344CB8AC3E}">
+        <p14:creationId xmlns:p14="http://schemas.microsoft.com/office/powerpoint/2010/main" val="1428178366"/>
+      </p:ext>
+    </p:extLst>
+  </p:cSld>
+  <p:clrMapOvr>
+    <a:masterClrMapping/>
+  </p:clrMapOvr>
+</p:sld>
+</file>
+
+<file path=ppt/slides/slide20.xml><?xml version="1.0" encoding="utf-8"?>
+<p:sld xmlns:a="http://schemas.openxmlformats.org/drawingml/2006/main" xmlns:r="http://schemas.openxmlformats.org/officeDocument/2006/relationships" xmlns:p="http://schemas.openxmlformats.org/presentationml/2006/main">
+  <p:cSld>
+    <p:spTree>
+      <p:nvGrpSpPr>
+        <p:cNvPr id="1" name=""/>
+        <p:cNvGrpSpPr/>
+        <p:nvPr/>
+      </p:nvGrpSpPr>
+      <p:grpSpPr>
+        <a:xfrm>
+          <a:off x="0" y="0"/>
+          <a:ext cx="0" cy="0"/>
+          <a:chOff x="0" y="0"/>
+          <a:chExt cx="0" cy="0"/>
+        </a:xfrm>
+      </p:grpSpPr>
+      <p:pic>
+        <p:nvPicPr>
+          <p:cNvPr id="20482" name="Picture 2" descr="C:\Users\willieman\Downloads\Images\Total Alcohol Related Fatalities vs Year.png"/>
+          <p:cNvPicPr>
+            <a:picLocks noChangeAspect="1" noChangeArrowheads="1"/>
+          </p:cNvPicPr>
+          <p:nvPr/>
+        </p:nvPicPr>
+        <p:blipFill>
+          <a:blip r:embed="rId2">
+            <a:extLst>
+              <a:ext uri="{28A0092B-C50C-407E-A947-70E740481C1C}">
+                <a14:useLocalDpi xmlns:a14="http://schemas.microsoft.com/office/drawing/2010/main" val="0"/>
+              </a:ext>
+            </a:extLst>
+          </a:blip>
+          <a:srcRect/>
+          <a:stretch>
+            <a:fillRect/>
+          </a:stretch>
+        </p:blipFill>
+        <p:spPr bwMode="auto">
+          <a:xfrm>
+            <a:off x="228600" y="0"/>
+            <a:ext cx="8686800" cy="6858000"/>
+          </a:xfrm>
+          <a:prstGeom prst="rect">
+            <a:avLst/>
+          </a:prstGeom>
+          <a:noFill/>
+          <a:extLst>
+            <a:ext uri="{909E8E84-426E-40DD-AFC4-6F175D3DCCD1}">
+              <a14:hiddenFill xmlns:a14="http://schemas.microsoft.com/office/drawing/2010/main">
+                <a:solidFill>
+                  <a:srgbClr val="FFFFFF"/>
+                </a:solidFill>
+              </a14:hiddenFill>
+            </a:ext>
+          </a:extLst>
+        </p:spPr>
+      </p:pic>
+    </p:spTree>
+    <p:extLst>
+      <p:ext uri="{BB962C8B-B14F-4D97-AF65-F5344CB8AC3E}">
+        <p14:creationId xmlns:p14="http://schemas.microsoft.com/office/powerpoint/2010/main" val="4165958846"/>
+      </p:ext>
+    </p:extLst>
+  </p:cSld>
+  <p:clrMapOvr>
+    <a:masterClrMapping/>
+  </p:clrMapOvr>
+</p:sld>
+</file>
+
+<file path=ppt/slides/slide21.xml><?xml version="1.0" encoding="utf-8"?>
+<p:sld xmlns:a="http://schemas.openxmlformats.org/drawingml/2006/main" xmlns:r="http://schemas.openxmlformats.org/officeDocument/2006/relationships" xmlns:p="http://schemas.openxmlformats.org/presentationml/2006/main">
+  <p:cSld>
+    <p:spTree>
+      <p:nvGrpSpPr>
+        <p:cNvPr id="1" name=""/>
+        <p:cNvGrpSpPr/>
+        <p:nvPr/>
+      </p:nvGrpSpPr>
+      <p:grpSpPr>
+        <a:xfrm>
+          <a:off x="0" y="0"/>
+          <a:ext cx="0" cy="0"/>
+          <a:chOff x="0" y="0"/>
+          <a:chExt cx="0" cy="0"/>
+        </a:xfrm>
+      </p:grpSpPr>
+      <p:pic>
+        <p:nvPicPr>
+          <p:cNvPr id="21506" name="Picture 2" descr="C:\Users\willieman\Downloads\Images\US NON-ALCOHOL RELATED vs Year.png"/>
+          <p:cNvPicPr>
+            <a:picLocks noChangeAspect="1" noChangeArrowheads="1"/>
+          </p:cNvPicPr>
+          <p:nvPr/>
+        </p:nvPicPr>
+        <p:blipFill>
+          <a:blip r:embed="rId2">
+            <a:extLst>
+              <a:ext uri="{28A0092B-C50C-407E-A947-70E740481C1C}">
+                <a14:useLocalDpi xmlns:a14="http://schemas.microsoft.com/office/drawing/2010/main" val="0"/>
+              </a:ext>
+            </a:extLst>
+          </a:blip>
+          <a:srcRect/>
+          <a:stretch>
+            <a:fillRect/>
+          </a:stretch>
+        </p:blipFill>
+        <p:spPr bwMode="auto">
+          <a:xfrm>
+            <a:off x="152400" y="0"/>
+            <a:ext cx="8991600" cy="6858000"/>
+          </a:xfrm>
+          <a:prstGeom prst="rect">
+            <a:avLst/>
+          </a:prstGeom>
+          <a:noFill/>
+          <a:extLst>
+            <a:ext uri="{909E8E84-426E-40DD-AFC4-6F175D3DCCD1}">
+              <a14:hiddenFill xmlns:a14="http://schemas.microsoft.com/office/drawing/2010/main">
+                <a:solidFill>
+                  <a:srgbClr val="FFFFFF"/>
+                </a:solidFill>
+              </a14:hiddenFill>
+            </a:ext>
+          </a:extLst>
+        </p:spPr>
+      </p:pic>
+    </p:spTree>
+    <p:extLst>
+      <p:ext uri="{BB962C8B-B14F-4D97-AF65-F5344CB8AC3E}">
+        <p14:creationId xmlns:p14="http://schemas.microsoft.com/office/powerpoint/2010/main" val="660371643"/>
+      </p:ext>
+    </p:extLst>
+  </p:cSld>
+  <p:clrMapOvr>
+    <a:masterClrMapping/>
+  </p:clrMapOvr>
+</p:sld>
+</file>
+
+<file path=ppt/slides/slide22.xml><?xml version="1.0" encoding="utf-8"?>
+<p:sld xmlns:a="http://schemas.openxmlformats.org/drawingml/2006/main" xmlns:r="http://schemas.openxmlformats.org/officeDocument/2006/relationships" xmlns:p="http://schemas.openxmlformats.org/presentationml/2006/main">
+  <p:cSld>
+    <p:spTree>
+      <p:nvGrpSpPr>
+        <p:cNvPr id="1" name=""/>
+        <p:cNvGrpSpPr/>
+        <p:nvPr/>
+      </p:nvGrpSpPr>
+      <p:grpSpPr>
+        <a:xfrm>
+          <a:off x="0" y="0"/>
+          <a:ext cx="0" cy="0"/>
+          <a:chOff x="0" y="0"/>
+          <a:chExt cx="0" cy="0"/>
+        </a:xfrm>
+      </p:grpSpPr>
+      <p:pic>
+        <p:nvPicPr>
+          <p:cNvPr id="19458" name="Picture 2" descr="C:\Users\willieman\Downloads\Images\Total US Fatalities vs Year.png"/>
+          <p:cNvPicPr>
+            <a:picLocks noChangeAspect="1" noChangeArrowheads="1"/>
+          </p:cNvPicPr>
+          <p:nvPr/>
+        </p:nvPicPr>
+        <p:blipFill>
+          <a:blip r:embed="rId2">
+            <a:extLst>
+              <a:ext uri="{28A0092B-C50C-407E-A947-70E740481C1C}">
+                <a14:useLocalDpi xmlns:a14="http://schemas.microsoft.com/office/drawing/2010/main" val="0"/>
+              </a:ext>
+            </a:extLst>
+          </a:blip>
+          <a:srcRect/>
+          <a:stretch>
+            <a:fillRect/>
+          </a:stretch>
+        </p:blipFill>
+        <p:spPr bwMode="auto">
+          <a:xfrm>
+            <a:off x="152400" y="0"/>
+            <a:ext cx="8839200" cy="6858000"/>
+          </a:xfrm>
+          <a:prstGeom prst="rect">
+            <a:avLst/>
+          </a:prstGeom>
+          <a:noFill/>
+          <a:extLst>
+            <a:ext uri="{909E8E84-426E-40DD-AFC4-6F175D3DCCD1}">
+              <a14:hiddenFill xmlns:a14="http://schemas.microsoft.com/office/drawing/2010/main">
+                <a:solidFill>
+                  <a:srgbClr val="FFFFFF"/>
+                </a:solidFill>
+              </a14:hiddenFill>
+            </a:ext>
+          </a:extLst>
+        </p:spPr>
+      </p:pic>
+    </p:spTree>
+    <p:extLst>
+      <p:ext uri="{BB962C8B-B14F-4D97-AF65-F5344CB8AC3E}">
+        <p14:creationId xmlns:p14="http://schemas.microsoft.com/office/powerpoint/2010/main" val="1076156654"/>
+      </p:ext>
+    </p:extLst>
+  </p:cSld>
+  <p:clrMapOvr>
+    <a:masterClrMapping/>
+  </p:clrMapOvr>
+</p:sld>
+</file>
+
+<file path=ppt/slides/slide23.xml><?xml version="1.0" encoding="utf-8"?>
+<p:sld xmlns:a="http://schemas.openxmlformats.org/drawingml/2006/main" xmlns:r="http://schemas.openxmlformats.org/officeDocument/2006/relationships" xmlns:p="http://schemas.openxmlformats.org/presentationml/2006/main">
+  <p:cSld>
+    <p:spTree>
+      <p:nvGrpSpPr>
+        <p:cNvPr id="1" name=""/>
+        <p:cNvGrpSpPr/>
+        <p:nvPr/>
+      </p:nvGrpSpPr>
+      <p:grpSpPr>
+        <a:xfrm>
+          <a:off x="0" y="0"/>
+          <a:ext cx="0" cy="0"/>
+          <a:chOff x="0" y="0"/>
+          <a:chExt cx="0" cy="0"/>
+        </a:xfrm>
+      </p:grpSpPr>
+      <p:pic>
+        <p:nvPicPr>
+          <p:cNvPr id="23554" name="Picture 2" descr="C:\Users\willieman\Downloads\Images\Beer consumption and BPA limit to General Population.png"/>
+          <p:cNvPicPr>
+            <a:picLocks noChangeAspect="1" noChangeArrowheads="1"/>
+          </p:cNvPicPr>
+          <p:nvPr/>
+        </p:nvPicPr>
+        <p:blipFill>
+          <a:blip r:embed="rId2">
+            <a:extLst>
+              <a:ext uri="{28A0092B-C50C-407E-A947-70E740481C1C}">
+                <a14:useLocalDpi xmlns:a14="http://schemas.microsoft.com/office/drawing/2010/main" val="0"/>
+              </a:ext>
+            </a:extLst>
+          </a:blip>
+          <a:srcRect/>
+          <a:stretch>
+            <a:fillRect/>
+          </a:stretch>
+        </p:blipFill>
+        <p:spPr bwMode="auto">
+          <a:xfrm>
+            <a:off x="228600" y="95250"/>
+            <a:ext cx="8915400" cy="6667500"/>
+          </a:xfrm>
+          <a:prstGeom prst="rect">
+            <a:avLst/>
+          </a:prstGeom>
+          <a:noFill/>
+          <a:extLst>
+            <a:ext uri="{909E8E84-426E-40DD-AFC4-6F175D3DCCD1}">
+              <a14:hiddenFill xmlns:a14="http://schemas.microsoft.com/office/drawing/2010/main">
+                <a:solidFill>
+                  <a:srgbClr val="FFFFFF"/>
+                </a:solidFill>
+              </a14:hiddenFill>
+            </a:ext>
+          </a:extLst>
+        </p:spPr>
+      </p:pic>
+    </p:spTree>
+    <p:extLst>
+      <p:ext uri="{BB962C8B-B14F-4D97-AF65-F5344CB8AC3E}">
+        <p14:creationId xmlns:p14="http://schemas.microsoft.com/office/powerpoint/2010/main" val="3776671791"/>
+      </p:ext>
+    </p:extLst>
+  </p:cSld>
+  <p:clrMapOvr>
+    <a:masterClrMapping/>
+  </p:clrMapOvr>
+</p:sld>
+</file>
+
+<file path=ppt/slides/slide24.xml><?xml version="1.0" encoding="utf-8"?>
+<p:sld xmlns:a="http://schemas.openxmlformats.org/drawingml/2006/main" xmlns:r="http://schemas.openxmlformats.org/officeDocument/2006/relationships" xmlns:p="http://schemas.openxmlformats.org/presentationml/2006/main">
+  <p:cSld>
+    <p:spTree>
+      <p:nvGrpSpPr>
+        <p:cNvPr id="1" name=""/>
+        <p:cNvGrpSpPr/>
+        <p:nvPr/>
+      </p:nvGrpSpPr>
+      <p:grpSpPr>
+        <a:xfrm>
+          <a:off x="0" y="0"/>
+          <a:ext cx="0" cy="0"/>
+          <a:chOff x="0" y="0"/>
+          <a:chExt cx="0" cy="0"/>
+        </a:xfrm>
+      </p:grpSpPr>
+      <p:pic>
+        <p:nvPicPr>
+          <p:cNvPr id="24578" name="Picture 2" descr="C:\Users\willieman\Downloads\Images\Beer Consumption and BPA limit to General Population2.png"/>
+          <p:cNvPicPr>
+            <a:picLocks noChangeAspect="1" noChangeArrowheads="1"/>
+          </p:cNvPicPr>
+          <p:nvPr/>
+        </p:nvPicPr>
+        <p:blipFill>
+          <a:blip r:embed="rId2">
+            <a:extLst>
+              <a:ext uri="{28A0092B-C50C-407E-A947-70E740481C1C}">
+                <a14:useLocalDpi xmlns:a14="http://schemas.microsoft.com/office/drawing/2010/main" val="0"/>
+              </a:ext>
+            </a:extLst>
+          </a:blip>
+          <a:srcRect/>
+          <a:stretch>
+            <a:fillRect/>
+          </a:stretch>
+        </p:blipFill>
+        <p:spPr bwMode="auto">
+          <a:xfrm>
+            <a:off x="152400" y="95250"/>
+            <a:ext cx="8991600" cy="6667500"/>
+          </a:xfrm>
+          <a:prstGeom prst="rect">
+            <a:avLst/>
+          </a:prstGeom>
+          <a:noFill/>
+          <a:extLst>
+            <a:ext uri="{909E8E84-426E-40DD-AFC4-6F175D3DCCD1}">
+              <a14:hiddenFill xmlns:a14="http://schemas.microsoft.com/office/drawing/2010/main">
+                <a:solidFill>
+                  <a:srgbClr val="FFFFFF"/>
+                </a:solidFill>
+              </a14:hiddenFill>
+            </a:ext>
+          </a:extLst>
+        </p:spPr>
+      </p:pic>
+    </p:spTree>
+    <p:extLst>
+      <p:ext uri="{BB962C8B-B14F-4D97-AF65-F5344CB8AC3E}">
+        <p14:creationId xmlns:p14="http://schemas.microsoft.com/office/powerpoint/2010/main" val="2128350371"/>
+      </p:ext>
+    </p:extLst>
+  </p:cSld>
+  <p:clrMapOvr>
+    <a:masterClrMapping/>
+  </p:clrMapOvr>
+</p:sld>
+</file>
+
+<file path=ppt/slides/slide25.xml><?xml version="1.0" encoding="utf-8"?>
+<p:sld xmlns:a="http://schemas.openxmlformats.org/drawingml/2006/main" xmlns:r="http://schemas.openxmlformats.org/officeDocument/2006/relationships" xmlns:p="http://schemas.openxmlformats.org/presentationml/2006/main">
+  <p:cSld>
+    <p:spTree>
+      <p:nvGrpSpPr>
+        <p:cNvPr id="1" name=""/>
+        <p:cNvGrpSpPr/>
+        <p:nvPr/>
+      </p:nvGrpSpPr>
+      <p:grpSpPr>
+        <a:xfrm>
+          <a:off x="0" y="0"/>
+          <a:ext cx="0" cy="0"/>
+          <a:chOff x="0" y="0"/>
+          <a:chExt cx="0" cy="0"/>
+        </a:xfrm>
+      </p:grpSpPr>
+      <p:pic>
+        <p:nvPicPr>
+          <p:cNvPr id="25602" name="Picture 2" descr="C:\Users\willieman\Downloads\Images\Beer Consumption Vs Country with Sobriety Checkpoints and Patterns of Drinking.JPG"/>
+          <p:cNvPicPr>
+            <a:picLocks noChangeAspect="1" noChangeArrowheads="1"/>
+          </p:cNvPicPr>
+          <p:nvPr/>
+        </p:nvPicPr>
+        <p:blipFill>
+          <a:blip r:embed="rId2">
+            <a:extLst>
+              <a:ext uri="{28A0092B-C50C-407E-A947-70E740481C1C}">
+                <a14:useLocalDpi xmlns:a14="http://schemas.microsoft.com/office/drawing/2010/main" val="0"/>
+              </a:ext>
+            </a:extLst>
+          </a:blip>
+          <a:srcRect/>
+          <a:stretch>
+            <a:fillRect/>
+          </a:stretch>
+        </p:blipFill>
+        <p:spPr bwMode="auto">
+          <a:xfrm>
+            <a:off x="0" y="0"/>
+            <a:ext cx="9144000" cy="6857999"/>
+          </a:xfrm>
+          <a:prstGeom prst="rect">
+            <a:avLst/>
+          </a:prstGeom>
+          <a:noFill/>
+          <a:extLst>
+            <a:ext uri="{909E8E84-426E-40DD-AFC4-6F175D3DCCD1}">
+              <a14:hiddenFill xmlns:a14="http://schemas.microsoft.com/office/drawing/2010/main">
+                <a:solidFill>
+                  <a:srgbClr val="FFFFFF"/>
+                </a:solidFill>
+              </a14:hiddenFill>
+            </a:ext>
+          </a:extLst>
+        </p:spPr>
+      </p:pic>
+    </p:spTree>
+    <p:extLst>
+      <p:ext uri="{BB962C8B-B14F-4D97-AF65-F5344CB8AC3E}">
+        <p14:creationId xmlns:p14="http://schemas.microsoft.com/office/powerpoint/2010/main" val="3825112650"/>
+      </p:ext>
+    </p:extLst>
+  </p:cSld>
+  <p:clrMapOvr>
+    <a:masterClrMapping/>
+  </p:clrMapOvr>
+</p:sld>
+</file>
+
+<file path=ppt/slides/slide3.xml><?xml version="1.0" encoding="utf-8"?>
+<p:sld xmlns:a="http://schemas.openxmlformats.org/drawingml/2006/main" xmlns:r="http://schemas.openxmlformats.org/officeDocument/2006/relationships" xmlns:p="http://schemas.openxmlformats.org/presentationml/2006/main">
+  <p:cSld>
+    <p:spTree>
+      <p:nvGrpSpPr>
+        <p:cNvPr id="1" name=""/>
+        <p:cNvGrpSpPr/>
+        <p:nvPr/>
+      </p:nvGrpSpPr>
+      <p:grpSpPr>
+        <a:xfrm>
+          <a:off x="0" y="0"/>
+          <a:ext cx="0" cy="0"/>
+          <a:chOff x="0" y="0"/>
+          <a:chExt cx="0" cy="0"/>
+        </a:xfrm>
+      </p:grpSpPr>
+      <p:sp>
+        <p:nvSpPr>
+          <p:cNvPr id="2" name="Title 1"/>
+          <p:cNvSpPr>
+            <a:spLocks noGrp="1"/>
+          </p:cNvSpPr>
+          <p:nvPr>
+            <p:ph type="title"/>
+          </p:nvPr>
+        </p:nvSpPr>
+        <p:spPr/>
+        <p:txBody>
+          <a:bodyPr/>
+          <a:lstStyle/>
+          <a:p>
+            <a:endParaRPr lang="en-US"/>
+          </a:p>
+        </p:txBody>
+      </p:sp>
+      <p:sp>
+        <p:nvSpPr>
+          <p:cNvPr id="3" name="Content Placeholder 2"/>
+          <p:cNvSpPr>
+            <a:spLocks noGrp="1"/>
+          </p:cNvSpPr>
+          <p:nvPr>
+            <p:ph idx="1"/>
+          </p:nvPr>
+        </p:nvSpPr>
+        <p:spPr/>
+        <p:txBody>
+          <a:bodyPr/>
+          <a:lstStyle/>
+          <a:p>
+            <a:endParaRPr lang="en-US"/>
+          </a:p>
+        </p:txBody>
+      </p:sp>
+      <p:pic>
+        <p:nvPicPr>
+          <p:cNvPr id="2050" name="Picture 2" descr="C:\Users\willieman\Downloads\Images\Beer Consumption by Country and No Random Breath Testing.JPG"/>
+          <p:cNvPicPr>
+            <a:picLocks noChangeAspect="1" noChangeArrowheads="1"/>
+          </p:cNvPicPr>
+          <p:nvPr/>
+        </p:nvPicPr>
+        <p:blipFill>
+          <a:blip r:embed="rId2">
+            <a:extLst>
+              <a:ext uri="{28A0092B-C50C-407E-A947-70E740481C1C}">
+                <a14:useLocalDpi xmlns:a14="http://schemas.microsoft.com/office/drawing/2010/main" val="0"/>
+              </a:ext>
+            </a:extLst>
+          </a:blip>
+          <a:srcRect/>
+          <a:stretch>
+            <a:fillRect/>
+          </a:stretch>
+        </p:blipFill>
+        <p:spPr bwMode="auto">
+          <a:xfrm>
+            <a:off x="0" y="0"/>
+            <a:ext cx="9124720" cy="6858000"/>
+          </a:xfrm>
+          <a:prstGeom prst="rect">
+            <a:avLst/>
+          </a:prstGeom>
+          <a:noFill/>
+          <a:extLst>
+            <a:ext uri="{909E8E84-426E-40DD-AFC4-6F175D3DCCD1}">
+              <a14:hiddenFill xmlns:a14="http://schemas.microsoft.com/office/drawing/2010/main">
+                <a:solidFill>
+                  <a:srgbClr val="FFFFFF"/>
+                </a:solidFill>
+              </a14:hiddenFill>
+            </a:ext>
+          </a:extLst>
+        </p:spPr>
+      </p:pic>
+    </p:spTree>
+    <p:extLst>
+      <p:ext uri="{BB962C8B-B14F-4D97-AF65-F5344CB8AC3E}">
+        <p14:creationId xmlns:p14="http://schemas.microsoft.com/office/powerpoint/2010/main" val="4182412053"/>
+      </p:ext>
+    </p:extLst>
+  </p:cSld>
+  <p:clrMapOvr>
+    <a:masterClrMapping/>
+  </p:clrMapOvr>
+</p:sld>
+</file>
+
+<file path=ppt/slides/slide4.xml><?xml version="1.0" encoding="utf-8"?>
+<p:sld xmlns:a="http://schemas.openxmlformats.org/drawingml/2006/main" xmlns:r="http://schemas.openxmlformats.org/officeDocument/2006/relationships" xmlns:p="http://schemas.openxmlformats.org/presentationml/2006/main">
+  <p:cSld>
+    <p:spTree>
+      <p:nvGrpSpPr>
+        <p:cNvPr id="1" name=""/>
+        <p:cNvGrpSpPr/>
+        <p:nvPr/>
+      </p:nvGrpSpPr>
+      <p:grpSpPr>
+        <a:xfrm>
+          <a:off x="0" y="0"/>
+          <a:ext cx="0" cy="0"/>
+          <a:chOff x="0" y="0"/>
+          <a:chExt cx="0" cy="0"/>
+        </a:xfrm>
+      </p:grpSpPr>
+      <p:sp>
+        <p:nvSpPr>
+          <p:cNvPr id="2" name="Title 1"/>
+          <p:cNvSpPr>
+            <a:spLocks noGrp="1"/>
+          </p:cNvSpPr>
+          <p:nvPr>
+            <p:ph type="title"/>
+          </p:nvPr>
+        </p:nvSpPr>
+        <p:spPr/>
+        <p:txBody>
+          <a:bodyPr/>
+          <a:lstStyle/>
+          <a:p>
+            <a:endParaRPr lang="en-US"/>
+          </a:p>
+        </p:txBody>
+      </p:sp>
+      <p:sp>
+        <p:nvSpPr>
+          <p:cNvPr id="3" name="Content Placeholder 2"/>
+          <p:cNvSpPr>
+            <a:spLocks noGrp="1"/>
+          </p:cNvSpPr>
+          <p:nvPr>
+            <p:ph idx="1"/>
+          </p:nvPr>
+        </p:nvSpPr>
+        <p:spPr/>
+        <p:txBody>
+          <a:bodyPr/>
+          <a:lstStyle/>
+          <a:p>
+            <a:endParaRPr lang="en-US"/>
+          </a:p>
+        </p:txBody>
+      </p:sp>
+      <p:pic>
+        <p:nvPicPr>
+          <p:cNvPr id="4099" name="Picture 3" descr="C:\Users\willieman\Downloads\Images\Number of Alcohol Related v. Nonalcohol Related Highway Vehicle Fatalities (2001-2010) (bargraph).png"/>
+          <p:cNvPicPr>
+            <a:picLocks noChangeAspect="1" noChangeArrowheads="1"/>
+          </p:cNvPicPr>
+          <p:nvPr/>
+        </p:nvPicPr>
+        <p:blipFill>
+          <a:blip r:embed="rId2">
+            <a:extLst>
+              <a:ext uri="{28A0092B-C50C-407E-A947-70E740481C1C}">
+                <a14:useLocalDpi xmlns:a14="http://schemas.microsoft.com/office/drawing/2010/main" val="0"/>
+              </a:ext>
+            </a:extLst>
+          </a:blip>
+          <a:srcRect/>
+          <a:stretch>
+            <a:fillRect/>
+          </a:stretch>
+        </p:blipFill>
+        <p:spPr bwMode="auto">
+          <a:xfrm>
+            <a:off x="48406" y="0"/>
+            <a:ext cx="9095594" cy="6858000"/>
+          </a:xfrm>
+          <a:prstGeom prst="rect">
+            <a:avLst/>
+          </a:prstGeom>
+          <a:noFill/>
+          <a:extLst>
+            <a:ext uri="{909E8E84-426E-40DD-AFC4-6F175D3DCCD1}">
+              <a14:hiddenFill xmlns:a14="http://schemas.microsoft.com/office/drawing/2010/main">
+                <a:solidFill>
+                  <a:srgbClr val="FFFFFF"/>
+                </a:solidFill>
+              </a14:hiddenFill>
+            </a:ext>
+          </a:extLst>
+        </p:spPr>
+      </p:pic>
+    </p:spTree>
+    <p:extLst>
+      <p:ext uri="{BB962C8B-B14F-4D97-AF65-F5344CB8AC3E}">
+        <p14:creationId xmlns:p14="http://schemas.microsoft.com/office/powerpoint/2010/main" val="4168570657"/>
+      </p:ext>
+    </p:extLst>
+  </p:cSld>
+  <p:clrMapOvr>
+    <a:masterClrMapping/>
+  </p:clrMapOvr>
+</p:sld>
+</file>
+
+<file path=ppt/slides/slide5.xml><?xml version="1.0" encoding="utf-8"?>
+<p:sld xmlns:a="http://schemas.openxmlformats.org/drawingml/2006/main" xmlns:r="http://schemas.openxmlformats.org/officeDocument/2006/relationships" xmlns:p="http://schemas.openxmlformats.org/presentationml/2006/main">
+  <p:cSld>
+    <p:spTree>
+      <p:nvGrpSpPr>
+        <p:cNvPr id="1" name=""/>
+        <p:cNvGrpSpPr/>
+        <p:nvPr/>
+      </p:nvGrpSpPr>
+      <p:grpSpPr>
+        <a:xfrm>
+          <a:off x="0" y="0"/>
+          <a:ext cx="0" cy="0"/>
+          <a:chOff x="0" y="0"/>
+          <a:chExt cx="0" cy="0"/>
+        </a:xfrm>
+      </p:grpSpPr>
+      <p:sp>
+        <p:nvSpPr>
+          <p:cNvPr id="2" name="Title 1"/>
+          <p:cNvSpPr>
+            <a:spLocks noGrp="1"/>
+          </p:cNvSpPr>
+          <p:nvPr>
+            <p:ph type="title"/>
+          </p:nvPr>
+        </p:nvSpPr>
+        <p:spPr/>
+        <p:txBody>
+          <a:bodyPr/>
+          <a:lstStyle/>
+          <a:p>
+            <a:endParaRPr lang="en-US"/>
+          </a:p>
+        </p:txBody>
+      </p:sp>
+      <p:sp>
+        <p:nvSpPr>
+          <p:cNvPr id="3" name="Content Placeholder 2"/>
+          <p:cNvSpPr>
+            <a:spLocks noGrp="1"/>
+          </p:cNvSpPr>
+          <p:nvPr>
+            <p:ph idx="1"/>
+          </p:nvPr>
+        </p:nvSpPr>
+        <p:spPr/>
+        <p:txBody>
+          <a:bodyPr/>
+          <a:lstStyle/>
+          <a:p>
+            <a:endParaRPr lang="en-US"/>
+          </a:p>
+        </p:txBody>
+      </p:sp>
+      <p:pic>
+        <p:nvPicPr>
+          <p:cNvPr id="5122" name="Picture 2" descr="C:\Users\willieman\Downloads\Images\Number of Alcohol Related v. Nonalcohol Related Highway Vehicle Fatalities (2001-2010).png"/>
+          <p:cNvPicPr>
+            <a:picLocks noChangeAspect="1" noChangeArrowheads="1"/>
+          </p:cNvPicPr>
+          <p:nvPr/>
+        </p:nvPicPr>
+        <p:blipFill>
+          <a:blip r:embed="rId2">
+            <a:extLst>
+              <a:ext uri="{28A0092B-C50C-407E-A947-70E740481C1C}">
+                <a14:useLocalDpi xmlns:a14="http://schemas.microsoft.com/office/drawing/2010/main" val="0"/>
+              </a:ext>
+            </a:extLst>
+          </a:blip>
+          <a:srcRect/>
+          <a:stretch>
+            <a:fillRect/>
+          </a:stretch>
+        </p:blipFill>
+        <p:spPr bwMode="auto">
+          <a:xfrm>
+            <a:off x="0" y="0"/>
+            <a:ext cx="8991600" cy="6858000"/>
+          </a:xfrm>
+          <a:prstGeom prst="rect">
+            <a:avLst/>
+          </a:prstGeom>
+          <a:noFill/>
+          <a:extLst>
+            <a:ext uri="{909E8E84-426E-40DD-AFC4-6F175D3DCCD1}">
+              <a14:hiddenFill xmlns:a14="http://schemas.microsoft.com/office/drawing/2010/main">
+                <a:solidFill>
+                  <a:srgbClr val="FFFFFF"/>
+                </a:solidFill>
+              </a14:hiddenFill>
+            </a:ext>
+          </a:extLst>
+        </p:spPr>
+      </p:pic>
+    </p:spTree>
+    <p:extLst>
+      <p:ext uri="{BB962C8B-B14F-4D97-AF65-F5344CB8AC3E}">
+        <p14:creationId xmlns:p14="http://schemas.microsoft.com/office/powerpoint/2010/main" val="773242685"/>
+      </p:ext>
+    </p:extLst>
+  </p:cSld>
+  <p:clrMapOvr>
+    <a:masterClrMapping/>
+  </p:clrMapOvr>
+</p:sld>
+</file>
+
+<file path=ppt/slides/slide6.xml><?xml version="1.0" encoding="utf-8"?>
+<p:sld xmlns:a="http://schemas.openxmlformats.org/drawingml/2006/main" xmlns:r="http://schemas.openxmlformats.org/officeDocument/2006/relationships" xmlns:p="http://schemas.openxmlformats.org/presentationml/2006/main">
+  <p:cSld>
+    <p:spTree>
+      <p:nvGrpSpPr>
+        <p:cNvPr id="1" name=""/>
+        <p:cNvGrpSpPr/>
+        <p:nvPr/>
+      </p:nvGrpSpPr>
+      <p:grpSpPr>
+        <a:xfrm>
+          <a:off x="0" y="0"/>
+          <a:ext cx="0" cy="0"/>
+          <a:chOff x="0" y="0"/>
+          <a:chExt cx="0" cy="0"/>
+        </a:xfrm>
+      </p:grpSpPr>
+      <p:sp>
+        <p:nvSpPr>
+          <p:cNvPr id="2" name="Title 1"/>
+          <p:cNvSpPr>
+            <a:spLocks noGrp="1"/>
+          </p:cNvSpPr>
+          <p:nvPr>
+            <p:ph type="title"/>
+          </p:nvPr>
+        </p:nvSpPr>
+        <p:spPr/>
+        <p:txBody>
+          <a:bodyPr/>
+          <a:lstStyle/>
+          <a:p>
+            <a:endParaRPr lang="en-US"/>
+          </a:p>
+        </p:txBody>
+      </p:sp>
+      <p:sp>
+        <p:nvSpPr>
+          <p:cNvPr id="3" name="Content Placeholder 2"/>
+          <p:cNvSpPr>
+            <a:spLocks noGrp="1"/>
+          </p:cNvSpPr>
+          <p:nvPr>
+            <p:ph idx="1"/>
+          </p:nvPr>
+        </p:nvSpPr>
+        <p:spPr/>
+        <p:txBody>
+          <a:bodyPr/>
+          <a:lstStyle/>
+          <a:p>
+            <a:endParaRPr lang="en-US"/>
+          </a:p>
+        </p:txBody>
+      </p:sp>
+      <p:pic>
+        <p:nvPicPr>
+          <p:cNvPr id="7170" name="Picture 2" descr="C:\Users\willieman\Downloads\Images\Social costs of alcohol use.png"/>
+          <p:cNvPicPr>
+            <a:picLocks noChangeAspect="1" noChangeArrowheads="1"/>
+          </p:cNvPicPr>
+          <p:nvPr/>
+        </p:nvPicPr>
+        <p:blipFill>
+          <a:blip r:embed="rId2">
+            <a:extLst>
+              <a:ext uri="{28A0092B-C50C-407E-A947-70E740481C1C}">
+                <a14:useLocalDpi xmlns:a14="http://schemas.microsoft.com/office/drawing/2010/main" val="0"/>
+              </a:ext>
+            </a:extLst>
+          </a:blip>
+          <a:srcRect/>
+          <a:stretch>
+            <a:fillRect/>
+          </a:stretch>
+        </p:blipFill>
+        <p:spPr bwMode="auto">
+          <a:xfrm>
+            <a:off x="228600" y="0"/>
+            <a:ext cx="7924800" cy="6781800"/>
+          </a:xfrm>
+          <a:prstGeom prst="rect">
+            <a:avLst/>
+          </a:prstGeom>
+          <a:noFill/>
+          <a:extLst>
+            <a:ext uri="{909E8E84-426E-40DD-AFC4-6F175D3DCCD1}">
+              <a14:hiddenFill xmlns:a14="http://schemas.microsoft.com/office/drawing/2010/main">
+                <a:solidFill>
+                  <a:srgbClr val="FFFFFF"/>
+                </a:solidFill>
+              </a14:hiddenFill>
+            </a:ext>
+          </a:extLst>
+        </p:spPr>
+      </p:pic>
+    </p:spTree>
+    <p:extLst>
+      <p:ext uri="{BB962C8B-B14F-4D97-AF65-F5344CB8AC3E}">
+        <p14:creationId xmlns:p14="http://schemas.microsoft.com/office/powerpoint/2010/main" val="3894882796"/>
+      </p:ext>
+    </p:extLst>
+  </p:cSld>
+  <p:clrMapOvr>
+    <a:masterClrMapping/>
+  </p:clrMapOvr>
+</p:sld>
+</file>
+
+<file path=ppt/slides/slide7.xml><?xml version="1.0" encoding="utf-8"?>
+<p:sld xmlns:a="http://schemas.openxmlformats.org/drawingml/2006/main" xmlns:r="http://schemas.openxmlformats.org/officeDocument/2006/relationships" xmlns:p="http://schemas.openxmlformats.org/presentationml/2006/main">
+  <p:cSld>
+    <p:spTree>
+      <p:nvGrpSpPr>
+        <p:cNvPr id="1" name=""/>
+        <p:cNvGrpSpPr/>
+        <p:nvPr/>
+      </p:nvGrpSpPr>
+      <p:grpSpPr>
+        <a:xfrm>
+          <a:off x="0" y="0"/>
+          <a:ext cx="0" cy="0"/>
+          <a:chOff x="0" y="0"/>
+          <a:chExt cx="0" cy="0"/>
+        </a:xfrm>
+      </p:grpSpPr>
+      <p:pic>
+        <p:nvPicPr>
+          <p:cNvPr id="6146" name="Picture 2" descr="C:\Users\willieman\Downloads\Images\Social costs of alcohol use in Missions US$.png"/>
+          <p:cNvPicPr>
+            <a:picLocks noChangeAspect="1" noChangeArrowheads="1"/>
+          </p:cNvPicPr>
+          <p:nvPr/>
+        </p:nvPicPr>
+        <p:blipFill>
+          <a:blip r:embed="rId2">
+            <a:extLst>
+              <a:ext uri="{28A0092B-C50C-407E-A947-70E740481C1C}">
+                <a14:useLocalDpi xmlns:a14="http://schemas.microsoft.com/office/drawing/2010/main" val="0"/>
+              </a:ext>
+            </a:extLst>
+          </a:blip>
+          <a:srcRect/>
+          <a:stretch>
+            <a:fillRect/>
+          </a:stretch>
+        </p:blipFill>
+        <p:spPr bwMode="auto">
+          <a:xfrm>
+            <a:off x="1524000" y="16239"/>
+            <a:ext cx="6858000" cy="6858000"/>
+          </a:xfrm>
+          <a:prstGeom prst="rect">
+            <a:avLst/>
+          </a:prstGeom>
+          <a:noFill/>
+          <a:extLst>
+            <a:ext uri="{909E8E84-426E-40DD-AFC4-6F175D3DCCD1}">
+              <a14:hiddenFill xmlns:a14="http://schemas.microsoft.com/office/drawing/2010/main">
+                <a:solidFill>
+                  <a:srgbClr val="FFFFFF"/>
+                </a:solidFill>
+              </a14:hiddenFill>
+            </a:ext>
+          </a:extLst>
+        </p:spPr>
+      </p:pic>
+    </p:spTree>
+    <p:extLst>
+      <p:ext uri="{BB962C8B-B14F-4D97-AF65-F5344CB8AC3E}">
+        <p14:creationId xmlns:p14="http://schemas.microsoft.com/office/powerpoint/2010/main" val="1068868176"/>
+      </p:ext>
+    </p:extLst>
+  </p:cSld>
+  <p:clrMapOvr>
+    <a:masterClrMapping/>
+  </p:clrMapOvr>
+</p:sld>
+</file>
+
+<file path=ppt/slides/slide8.xml><?xml version="1.0" encoding="utf-8"?>
+<p:sld xmlns:a="http://schemas.openxmlformats.org/drawingml/2006/main" xmlns:r="http://schemas.openxmlformats.org/officeDocument/2006/relationships" xmlns:p="http://schemas.openxmlformats.org/presentationml/2006/main">
+  <p:cSld>
+    <p:spTree>
+      <p:nvGrpSpPr>
+        <p:cNvPr id="1" name=""/>
+        <p:cNvGrpSpPr/>
+        <p:nvPr/>
+      </p:nvGrpSpPr>
+      <p:grpSpPr>
+        <a:xfrm>
+          <a:off x="0" y="0"/>
+          <a:ext cx="0" cy="0"/>
+          <a:chOff x="0" y="0"/>
+          <a:chExt cx="0" cy="0"/>
+        </a:xfrm>
+      </p:grpSpPr>
+      <p:pic>
+        <p:nvPicPr>
+          <p:cNvPr id="8194" name="Picture 2" descr="C:\Users\willieman\Downloads\Images\Male Abstainers Life Time.png"/>
+          <p:cNvPicPr>
+            <a:picLocks noChangeAspect="1" noChangeArrowheads="1"/>
+          </p:cNvPicPr>
+          <p:nvPr/>
+        </p:nvPicPr>
+        <p:blipFill>
+          <a:blip r:embed="rId2">
+            <a:extLst>
+              <a:ext uri="{28A0092B-C50C-407E-A947-70E740481C1C}">
+                <a14:useLocalDpi xmlns:a14="http://schemas.microsoft.com/office/drawing/2010/main" val="0"/>
+              </a:ext>
+            </a:extLst>
+          </a:blip>
+          <a:srcRect/>
+          <a:stretch>
+            <a:fillRect/>
+          </a:stretch>
+        </p:blipFill>
+        <p:spPr bwMode="auto">
+          <a:xfrm>
+            <a:off x="457200" y="228600"/>
+            <a:ext cx="8072477" cy="6527857"/>
+          </a:xfrm>
+          <a:prstGeom prst="rect">
+            <a:avLst/>
+          </a:prstGeom>
+          <a:noFill/>
+          <a:extLst>
+            <a:ext uri="{909E8E84-426E-40DD-AFC4-6F175D3DCCD1}">
+              <a14:hiddenFill xmlns:a14="http://schemas.microsoft.com/office/drawing/2010/main">
+                <a:solidFill>
+                  <a:srgbClr val="FFFFFF"/>
+                </a:solidFill>
+              </a14:hiddenFill>
+            </a:ext>
+          </a:extLst>
+        </p:spPr>
+      </p:pic>
+    </p:spTree>
+    <p:extLst>
+      <p:ext uri="{BB962C8B-B14F-4D97-AF65-F5344CB8AC3E}">
+        <p14:creationId xmlns:p14="http://schemas.microsoft.com/office/powerpoint/2010/main" val="1820437847"/>
+      </p:ext>
+    </p:extLst>
+  </p:cSld>
+  <p:clrMapOvr>
+    <a:masterClrMapping/>
+  </p:clrMapOvr>
+</p:sld>
+</file>
+
+<file path=ppt/slides/slide9.xml><?xml version="1.0" encoding="utf-8"?>
+<p:sld xmlns:a="http://schemas.openxmlformats.org/drawingml/2006/main" xmlns:r="http://schemas.openxmlformats.org/officeDocument/2006/relationships" xmlns:p="http://schemas.openxmlformats.org/presentationml/2006/main">
+  <p:cSld>
+    <p:spTree>
+      <p:nvGrpSpPr>
+        <p:cNvPr id="1" name=""/>
+        <p:cNvGrpSpPr/>
+        <p:nvPr/>
+      </p:nvGrpSpPr>
+      <p:grpSpPr>
+        <a:xfrm>
+          <a:off x="0" y="0"/>
+          <a:ext cx="0" cy="0"/>
+          <a:chOff x="0" y="0"/>
+          <a:chExt cx="0" cy="0"/>
+        </a:xfrm>
+      </p:grpSpPr>
+      <p:pic>
+        <p:nvPicPr>
+          <p:cNvPr id="9218" name="Picture 2" descr="C:\Users\willieman\Downloads\Images\Male Abstainers 12 Months.png"/>
+          <p:cNvPicPr>
+            <a:picLocks noChangeAspect="1" noChangeArrowheads="1"/>
+          </p:cNvPicPr>
+          <p:nvPr/>
+        </p:nvPicPr>
+        <p:blipFill>
+          <a:blip r:embed="rId2">
+            <a:extLst>
+              <a:ext uri="{28A0092B-C50C-407E-A947-70E740481C1C}">
+                <a14:useLocalDpi xmlns:a14="http://schemas.microsoft.com/office/drawing/2010/main" val="0"/>
+              </a:ext>
+            </a:extLst>
+          </a:blip>
+          <a:srcRect/>
+          <a:stretch>
+            <a:fillRect/>
+          </a:stretch>
+        </p:blipFill>
+        <p:spPr bwMode="auto">
+          <a:xfrm>
+            <a:off x="381000" y="39922"/>
+            <a:ext cx="8242908" cy="6665678"/>
+          </a:xfrm>
+          <a:prstGeom prst="rect">
+            <a:avLst/>
+          </a:prstGeom>
+          <a:noFill/>
+          <a:extLst>
+            <a:ext uri="{909E8E84-426E-40DD-AFC4-6F175D3DCCD1}">
+              <a14:hiddenFill xmlns:a14="http://schemas.microsoft.com/office/drawing/2010/main">
+                <a:solidFill>
+                  <a:srgbClr val="FFFFFF"/>
+                </a:solidFill>
+              </a14:hiddenFill>
+            </a:ext>
+          </a:extLst>
+        </p:spPr>
+      </p:pic>
+    </p:spTree>
+    <p:extLst>
+      <p:ext uri="{BB962C8B-B14F-4D97-AF65-F5344CB8AC3E}">
+        <p14:creationId xmlns:p14="http://schemas.microsoft.com/office/powerpoint/2010/main" val="1811422681"/>
+      </p:ext>
+    </p:extLst>
+  </p:cSld>
+  <p:clrMapOvr>
+    <a:masterClrMapping/>
+  </p:clrMapOvr>
+</p:sld>
 </file>
 
 <file path=ppt/theme/theme1.xml><?xml version="1.0" encoding="utf-8"?>
